--- a/csharp/slides/csharp7.pptx
+++ b/csharp/slides/csharp7.pptx
@@ -221,7 +221,7 @@
           <a:p>
             <a:fld id="{04A5CFB7-7914-4F0D-A779-AB6A962BDA53}" type="datetimeFigureOut">
               <a:rPr lang="de-AT" smtClean="0"/>
-              <a:t>11.01.2017</a:t>
+              <a:t>12.01.2017</a:t>
             </a:fld>
             <a:endParaRPr lang="de-AT"/>
           </a:p>
@@ -9363,7 +9363,7 @@
         <p:spPr>
           <a:xfrm>
             <a:off x="1143000" y="1633729"/>
-            <a:ext cx="10931236" cy="1615827"/>
+            <a:ext cx="10931236" cy="1184940"/>
           </a:xfrm>
           <a:prstGeom prst="rect">
             <a:avLst/>
@@ -9389,7 +9389,7 @@
                 <a:latin typeface="Consolas" panose="020B0609020204030204" pitchFamily="49" charset="0"/>
                 <a:cs typeface="Segoe UI Light" panose="020B0502040204020203" pitchFamily="34" charset="0"/>
               </a:rPr>
-              <a:t>(string first, string middle, string last)</a:t>
+              <a:t>(string a1, string a2, string a3)</a:t>
             </a:r>
             <a:r>
               <a:rPr lang="en-US" sz="2800" dirty="0">
@@ -9466,7 +9466,7 @@
                 <a:latin typeface="Consolas" panose="020B0609020204030204" pitchFamily="49" charset="0"/>
                 <a:cs typeface="Segoe UI Light" panose="020B0502040204020203" pitchFamily="34" charset="0"/>
               </a:rPr>
-              <a:t>{first} {last}</a:t>
+              <a:t>{a1} {a3}</a:t>
             </a:r>
             <a:r>
               <a:rPr lang="en-US" sz="2800" dirty="0">
@@ -9688,7 +9688,7 @@
         <p:spPr>
           <a:xfrm>
             <a:off x="1143000" y="1633729"/>
-            <a:ext cx="10931236" cy="523220"/>
+            <a:ext cx="10931236" cy="3831818"/>
           </a:xfrm>
           <a:prstGeom prst="rect">
             <a:avLst/>
@@ -9760,7 +9760,147 @@
                 <a:latin typeface="Consolas" panose="020B0609020204030204" pitchFamily="49" charset="0"/>
                 <a:cs typeface="Segoe UI Light" panose="020B0502040204020203" pitchFamily="34" charset="0"/>
               </a:rPr>
-              <a:t>(id1); </a:t>
+              <a:t>(id1);</a:t>
+            </a:r>
+          </a:p>
+          <a:p>
+            <a:pPr>
+              <a:spcAft>
+                <a:spcPts val="1800"/>
+              </a:spcAft>
+            </a:pPr>
+            <a:r>
+              <a:rPr lang="en-US" sz="2800" dirty="0" err="1">
+                <a:solidFill>
+                  <a:schemeClr val="tx1">
+                    <a:lumMod val="50000"/>
+                  </a:schemeClr>
+                </a:solidFill>
+                <a:latin typeface="Consolas" panose="020B0609020204030204" pitchFamily="49" charset="0"/>
+                <a:cs typeface="Segoe UI Light" panose="020B0502040204020203" pitchFamily="34" charset="0"/>
+              </a:rPr>
+              <a:t>Console.WriteLine</a:t>
+            </a:r>
+            <a:r>
+              <a:rPr lang="en-US" sz="2800" dirty="0">
+                <a:solidFill>
+                  <a:schemeClr val="tx1">
+                    <a:lumMod val="50000"/>
+                  </a:schemeClr>
+                </a:solidFill>
+                <a:latin typeface="Consolas" panose="020B0609020204030204" pitchFamily="49" charset="0"/>
+                <a:cs typeface="Segoe UI Light" panose="020B0502040204020203" pitchFamily="34" charset="0"/>
+              </a:rPr>
+              <a:t>(first);</a:t>
+            </a:r>
+          </a:p>
+          <a:p>
+            <a:pPr>
+              <a:spcAft>
+                <a:spcPts val="1800"/>
+              </a:spcAft>
+            </a:pPr>
+            <a:endParaRPr lang="en-US" sz="2800" dirty="0">
+              <a:solidFill>
+                <a:schemeClr val="tx1">
+                  <a:lumMod val="50000"/>
+                </a:schemeClr>
+              </a:solidFill>
+              <a:latin typeface="Consolas" panose="020B0609020204030204" pitchFamily="49" charset="0"/>
+              <a:cs typeface="Segoe UI Light" panose="020B0502040204020203" pitchFamily="34" charset="0"/>
+            </a:endParaRPr>
+          </a:p>
+          <a:p>
+            <a:pPr>
+              <a:spcAft>
+                <a:spcPts val="1800"/>
+              </a:spcAft>
+            </a:pPr>
+            <a:r>
+              <a:rPr lang="en-US" sz="2800" dirty="0">
+                <a:solidFill>
+                  <a:schemeClr val="tx1">
+                    <a:lumMod val="50000"/>
+                  </a:schemeClr>
+                </a:solidFill>
+                <a:latin typeface="Consolas" panose="020B0609020204030204" pitchFamily="49" charset="0"/>
+                <a:cs typeface="Segoe UI Light" panose="020B0502040204020203" pitchFamily="34" charset="0"/>
+              </a:rPr>
+              <a:t>string first;</a:t>
+            </a:r>
+          </a:p>
+          <a:p>
+            <a:pPr>
+              <a:spcAft>
+                <a:spcPts val="1800"/>
+              </a:spcAft>
+            </a:pPr>
+            <a:r>
+              <a:rPr lang="en-US" sz="2800" dirty="0" err="1">
+                <a:solidFill>
+                  <a:schemeClr val="tx1">
+                    <a:lumMod val="50000"/>
+                  </a:schemeClr>
+                </a:solidFill>
+                <a:latin typeface="Consolas" panose="020B0609020204030204" pitchFamily="49" charset="0"/>
+                <a:cs typeface="Segoe UI Light" panose="020B0502040204020203" pitchFamily="34" charset="0"/>
+              </a:rPr>
+              <a:t>var</a:t>
+            </a:r>
+            <a:r>
+              <a:rPr lang="en-US" sz="2800" dirty="0">
+                <a:solidFill>
+                  <a:schemeClr val="tx1">
+                    <a:lumMod val="50000"/>
+                  </a:schemeClr>
+                </a:solidFill>
+                <a:latin typeface="Consolas" panose="020B0609020204030204" pitchFamily="49" charset="0"/>
+                <a:cs typeface="Segoe UI Light" panose="020B0502040204020203" pitchFamily="34" charset="0"/>
+              </a:rPr>
+              <a:t> tuple = </a:t>
+            </a:r>
+            <a:r>
+              <a:rPr lang="en-US" sz="2800" dirty="0" err="1">
+                <a:solidFill>
+                  <a:schemeClr val="tx1">
+                    <a:lumMod val="50000"/>
+                  </a:schemeClr>
+                </a:solidFill>
+                <a:latin typeface="Consolas" panose="020B0609020204030204" pitchFamily="49" charset="0"/>
+                <a:cs typeface="Segoe UI Light" panose="020B0502040204020203" pitchFamily="34" charset="0"/>
+              </a:rPr>
+              <a:t>LookupName</a:t>
+            </a:r>
+            <a:r>
+              <a:rPr lang="en-US" sz="2800" dirty="0">
+                <a:solidFill>
+                  <a:schemeClr val="tx1">
+                    <a:lumMod val="50000"/>
+                  </a:schemeClr>
+                </a:solidFill>
+                <a:latin typeface="Consolas" panose="020B0609020204030204" pitchFamily="49" charset="0"/>
+                <a:cs typeface="Segoe UI Light" panose="020B0502040204020203" pitchFamily="34" charset="0"/>
+              </a:rPr>
+              <a:t>(id1);</a:t>
+            </a:r>
+          </a:p>
+          <a:p>
+            <a:pPr>
+              <a:spcAft>
+                <a:spcPts val="1800"/>
+              </a:spcAft>
+            </a:pPr>
+            <a:r>
+              <a:rPr lang="en-US" sz="2800" dirty="0">
+                <a:solidFill>
+                  <a:schemeClr val="tx1">
+                    <a:lumMod val="50000"/>
+                  </a:schemeClr>
+                </a:solidFill>
+                <a:latin typeface="Consolas" panose="020B0609020204030204" pitchFamily="49" charset="0"/>
+                <a:cs typeface="Segoe UI Light" panose="020B0502040204020203" pitchFamily="34" charset="0"/>
+              </a:rPr>
+              <a:t>first = tuple.Item1;</a:t>
             </a:r>
           </a:p>
         </p:txBody>
@@ -9815,6 +9955,202 @@
                                           <p:spTgt spid="28">
                                             <p:txEl>
                                               <p:pRg st="0" end="0"/>
+                                            </p:txEl>
+                                          </p:spTgt>
+                                        </p:tgtEl>
+                                        <p:attrNameLst>
+                                          <p:attrName>style.visibility</p:attrName>
+                                        </p:attrNameLst>
+                                      </p:cBhvr>
+                                      <p:to>
+                                        <p:strVal val="visible"/>
+                                      </p:to>
+                                    </p:set>
+                                  </p:childTnLst>
+                                </p:cTn>
+                              </p:par>
+                            </p:childTnLst>
+                          </p:cTn>
+                        </p:par>
+                      </p:childTnLst>
+                    </p:cTn>
+                  </p:par>
+                  <p:par>
+                    <p:cTn id="7" fill="hold">
+                      <p:stCondLst>
+                        <p:cond delay="indefinite"/>
+                      </p:stCondLst>
+                      <p:childTnLst>
+                        <p:par>
+                          <p:cTn id="8" fill="hold">
+                            <p:stCondLst>
+                              <p:cond delay="0"/>
+                            </p:stCondLst>
+                            <p:childTnLst>
+                              <p:par>
+                                <p:cTn id="9" presetID="1" presetClass="entr" presetSubtype="0" fill="hold" nodeType="clickEffect">
+                                  <p:stCondLst>
+                                    <p:cond delay="0"/>
+                                  </p:stCondLst>
+                                  <p:childTnLst>
+                                    <p:set>
+                                      <p:cBhvr>
+                                        <p:cTn id="10" dur="1" fill="hold">
+                                          <p:stCondLst>
+                                            <p:cond delay="0"/>
+                                          </p:stCondLst>
+                                        </p:cTn>
+                                        <p:tgtEl>
+                                          <p:spTgt spid="28">
+                                            <p:txEl>
+                                              <p:pRg st="1" end="1"/>
+                                            </p:txEl>
+                                          </p:spTgt>
+                                        </p:tgtEl>
+                                        <p:attrNameLst>
+                                          <p:attrName>style.visibility</p:attrName>
+                                        </p:attrNameLst>
+                                      </p:cBhvr>
+                                      <p:to>
+                                        <p:strVal val="visible"/>
+                                      </p:to>
+                                    </p:set>
+                                  </p:childTnLst>
+                                </p:cTn>
+                              </p:par>
+                            </p:childTnLst>
+                          </p:cTn>
+                        </p:par>
+                      </p:childTnLst>
+                    </p:cTn>
+                  </p:par>
+                  <p:par>
+                    <p:cTn id="11" fill="hold">
+                      <p:stCondLst>
+                        <p:cond delay="indefinite"/>
+                      </p:stCondLst>
+                      <p:childTnLst>
+                        <p:par>
+                          <p:cTn id="12" fill="hold">
+                            <p:stCondLst>
+                              <p:cond delay="0"/>
+                            </p:stCondLst>
+                            <p:childTnLst>
+                              <p:par>
+                                <p:cTn id="13" presetID="1" presetClass="entr" presetSubtype="0" fill="hold" nodeType="clickEffect">
+                                  <p:stCondLst>
+                                    <p:cond delay="0"/>
+                                  </p:stCondLst>
+                                  <p:childTnLst>
+                                    <p:set>
+                                      <p:cBhvr>
+                                        <p:cTn id="14" dur="1" fill="hold">
+                                          <p:stCondLst>
+                                            <p:cond delay="0"/>
+                                          </p:stCondLst>
+                                        </p:cTn>
+                                        <p:tgtEl>
+                                          <p:spTgt spid="28">
+                                            <p:txEl>
+                                              <p:pRg st="3" end="3"/>
+                                            </p:txEl>
+                                          </p:spTgt>
+                                        </p:tgtEl>
+                                        <p:attrNameLst>
+                                          <p:attrName>style.visibility</p:attrName>
+                                        </p:attrNameLst>
+                                      </p:cBhvr>
+                                      <p:to>
+                                        <p:strVal val="visible"/>
+                                      </p:to>
+                                    </p:set>
+                                  </p:childTnLst>
+                                </p:cTn>
+                              </p:par>
+                            </p:childTnLst>
+                          </p:cTn>
+                        </p:par>
+                      </p:childTnLst>
+                    </p:cTn>
+                  </p:par>
+                  <p:par>
+                    <p:cTn id="15" fill="hold">
+                      <p:stCondLst>
+                        <p:cond delay="indefinite"/>
+                      </p:stCondLst>
+                      <p:childTnLst>
+                        <p:par>
+                          <p:cTn id="16" fill="hold">
+                            <p:stCondLst>
+                              <p:cond delay="0"/>
+                            </p:stCondLst>
+                            <p:childTnLst>
+                              <p:par>
+                                <p:cTn id="17" presetID="1" presetClass="entr" presetSubtype="0" fill="hold" nodeType="clickEffect">
+                                  <p:stCondLst>
+                                    <p:cond delay="0"/>
+                                  </p:stCondLst>
+                                  <p:childTnLst>
+                                    <p:set>
+                                      <p:cBhvr>
+                                        <p:cTn id="18" dur="1" fill="hold">
+                                          <p:stCondLst>
+                                            <p:cond delay="0"/>
+                                          </p:stCondLst>
+                                        </p:cTn>
+                                        <p:tgtEl>
+                                          <p:spTgt spid="28">
+                                            <p:txEl>
+                                              <p:pRg st="4" end="4"/>
+                                            </p:txEl>
+                                          </p:spTgt>
+                                        </p:tgtEl>
+                                        <p:attrNameLst>
+                                          <p:attrName>style.visibility</p:attrName>
+                                        </p:attrNameLst>
+                                      </p:cBhvr>
+                                      <p:to>
+                                        <p:strVal val="visible"/>
+                                      </p:to>
+                                    </p:set>
+                                  </p:childTnLst>
+                                </p:cTn>
+                              </p:par>
+                            </p:childTnLst>
+                          </p:cTn>
+                        </p:par>
+                      </p:childTnLst>
+                    </p:cTn>
+                  </p:par>
+                  <p:par>
+                    <p:cTn id="19" fill="hold">
+                      <p:stCondLst>
+                        <p:cond delay="indefinite"/>
+                      </p:stCondLst>
+                      <p:childTnLst>
+                        <p:par>
+                          <p:cTn id="20" fill="hold">
+                            <p:stCondLst>
+                              <p:cond delay="0"/>
+                            </p:stCondLst>
+                            <p:childTnLst>
+                              <p:par>
+                                <p:cTn id="21" presetID="1" presetClass="entr" presetSubtype="0" fill="hold" nodeType="clickEffect">
+                                  <p:stCondLst>
+                                    <p:cond delay="0"/>
+                                  </p:stCondLst>
+                                  <p:childTnLst>
+                                    <p:set>
+                                      <p:cBhvr>
+                                        <p:cTn id="22" dur="1" fill="hold">
+                                          <p:stCondLst>
+                                            <p:cond delay="0"/>
+                                          </p:stCondLst>
+                                        </p:cTn>
+                                        <p:tgtEl>
+                                          <p:spTgt spid="28">
+                                            <p:txEl>
+                                              <p:pRg st="5" end="5"/>
                                             </p:txEl>
                                           </p:spTgt>
                                         </p:tgtEl>
@@ -13766,15 +14102,6 @@
               </a:rPr>
               <a:t>}</a:t>
             </a:r>
-            <a:endParaRPr lang="en-US" sz="2800" dirty="0">
-              <a:solidFill>
-                <a:schemeClr val="tx1">
-                  <a:lumMod val="50000"/>
-                </a:schemeClr>
-              </a:solidFill>
-              <a:latin typeface="Consolas" panose="020B0609020204030204" pitchFamily="49" charset="0"/>
-              <a:cs typeface="Segoe UI Light" panose="020B0502040204020203" pitchFamily="34" charset="0"/>
-            </a:endParaRPr>
           </a:p>
         </p:txBody>
       </p:sp>
@@ -17865,7 +18192,7 @@
                 <a:latin typeface="Consolas" panose="020B0609020204030204" pitchFamily="49" charset="0"/>
                 <a:cs typeface="Segoe UI Light" panose="020B0502040204020203" pitchFamily="34" charset="0"/>
               </a:rPr>
-              <a:t>(long id)</a:t>
+              <a:t>(long id) { .. }</a:t>
             </a:r>
           </a:p>
           <a:p>
